--- a/src/ChinaIT/Jeremy.ObjectCollectionSystem/Assets/DesignFile/ChinaIT.pptx
+++ b/src/ChinaIT/Jeremy.ObjectCollectionSystem/Assets/DesignFile/ChinaIT.pptx
@@ -3340,7 +3340,7 @@
         </p:nvGrpSpPr>
         <p:grpSpPr>
           <a:xfrm>
-            <a:off x="1824630" y="2149222"/>
+            <a:off x="5672897" y="1916612"/>
             <a:ext cx="2775946" cy="898777"/>
             <a:chOff x="1824629" y="2149223"/>
             <a:chExt cx="3865853" cy="444246"/>
@@ -4070,7 +4070,7 @@
         </p:nvGrpSpPr>
         <p:grpSpPr>
           <a:xfrm>
-            <a:off x="6036173" y="1756611"/>
+            <a:off x="9020005" y="144380"/>
             <a:ext cx="2815390" cy="2673647"/>
             <a:chOff x="6036173" y="1756611"/>
             <a:chExt cx="2815390" cy="2673647"/>
@@ -4769,6 +4769,764 @@
                 </a:pathLst>
               </a:custGeom>
               <a:grpFill/>
+              <a:ln>
+                <a:noFill/>
+              </a:ln>
+              <a:effectLst/>
+            </p:spPr>
+            <p:txBody>
+              <a:bodyPr rot="0" spcFirstLastPara="0" vertOverflow="overflow" horzOverflow="overflow" vert="horz" wrap="square" lIns="91440" tIns="45720" rIns="91440" bIns="45720" numCol="1" spcCol="0" rtlCol="0" fromWordArt="0" anchor="t" anchorCtr="0" forceAA="0" compatLnSpc="1">
+                <a:prstTxWarp prst="textNoShape">
+                  <a:avLst/>
+                </a:prstTxWarp>
+                <a:noAutofit/>
+              </a:bodyPr>
+              <a:lstStyle/>
+              <a:p>
+                <a:endParaRPr lang="zh-CN" altLang="en-US" sz="6000" b="1" dirty="0">
+                  <a:gradFill>
+                    <a:gsLst>
+                      <a:gs pos="0">
+                        <a:srgbClr val="7030A0"/>
+                      </a:gs>
+                      <a:gs pos="100000">
+                        <a:srgbClr val="1B1BF9"/>
+                      </a:gs>
+                    </a:gsLst>
+                    <a:lin ang="5400000" scaled="1"/>
+                  </a:gradFill>
+                  <a:latin typeface="站酷高端黑" panose="02010600030101010101" pitchFamily="2" charset="-122"/>
+                  <a:ea typeface="站酷高端黑" panose="02010600030101010101" pitchFamily="2" charset="-122"/>
+                </a:endParaRPr>
+              </a:p>
+            </p:txBody>
+          </p:sp>
+        </p:grpSp>
+      </p:grpSp>
+      <p:grpSp>
+        <p:nvGrpSpPr>
+          <p:cNvPr id="31" name="组合 30">
+            <a:extLst>
+              <a:ext uri="{FF2B5EF4-FFF2-40B4-BE49-F238E27FC236}">
+                <a16:creationId xmlns:a16="http://schemas.microsoft.com/office/drawing/2014/main" id="{F24B0481-39F2-DA43-F806-BC4CC49DF20E}"/>
+              </a:ext>
+            </a:extLst>
+          </p:cNvPr>
+          <p:cNvGrpSpPr/>
+          <p:nvPr/>
+        </p:nvGrpSpPr>
+        <p:grpSpPr>
+          <a:xfrm>
+            <a:off x="128337" y="3280612"/>
+            <a:ext cx="11707057" cy="2673647"/>
+            <a:chOff x="128337" y="3280612"/>
+            <a:chExt cx="11707057" cy="2673647"/>
+          </a:xfrm>
+        </p:grpSpPr>
+        <p:sp>
+          <p:nvSpPr>
+            <p:cNvPr id="21" name="矩形: 圆角 20">
+              <a:extLst>
+                <a:ext uri="{FF2B5EF4-FFF2-40B4-BE49-F238E27FC236}">
+                  <a16:creationId xmlns:a16="http://schemas.microsoft.com/office/drawing/2014/main" id="{0F0CB18A-751A-1B04-75B4-1517F791B7B2}"/>
+                </a:ext>
+              </a:extLst>
+            </p:cNvPr>
+            <p:cNvSpPr/>
+            <p:nvPr/>
+          </p:nvSpPr>
+          <p:spPr>
+            <a:xfrm>
+              <a:off x="128337" y="3280612"/>
+              <a:ext cx="11707057" cy="2673647"/>
+            </a:xfrm>
+            <a:prstGeom prst="roundRect">
+              <a:avLst>
+                <a:gd name="adj" fmla="val 1800"/>
+              </a:avLst>
+            </a:prstGeom>
+            <a:gradFill flip="none" rotWithShape="1">
+              <a:gsLst>
+                <a:gs pos="55000">
+                  <a:srgbClr val="7030A0"/>
+                </a:gs>
+                <a:gs pos="0">
+                  <a:srgbClr val="1B1BF9"/>
+                </a:gs>
+              </a:gsLst>
+              <a:lin ang="2700000" scaled="1"/>
+              <a:tileRect/>
+            </a:gradFill>
+            <a:ln>
+              <a:noFill/>
+            </a:ln>
+          </p:spPr>
+          <p:style>
+            <a:lnRef idx="2">
+              <a:schemeClr val="accent1">
+                <a:shade val="50000"/>
+              </a:schemeClr>
+            </a:lnRef>
+            <a:fillRef idx="1">
+              <a:schemeClr val="accent1"/>
+            </a:fillRef>
+            <a:effectRef idx="0">
+              <a:schemeClr val="accent1"/>
+            </a:effectRef>
+            <a:fontRef idx="minor">
+              <a:schemeClr val="lt1"/>
+            </a:fontRef>
+          </p:style>
+          <p:txBody>
+            <a:bodyPr rtlCol="0" anchor="ctr"/>
+            <a:lstStyle/>
+            <a:p>
+              <a:pPr algn="ctr"/>
+              <a:endParaRPr lang="zh-CN" altLang="en-US"/>
+            </a:p>
+          </p:txBody>
+        </p:sp>
+        <p:grpSp>
+          <p:nvGrpSpPr>
+            <p:cNvPr id="30" name="组合 29">
+              <a:extLst>
+                <a:ext uri="{FF2B5EF4-FFF2-40B4-BE49-F238E27FC236}">
+                  <a16:creationId xmlns:a16="http://schemas.microsoft.com/office/drawing/2014/main" id="{E90A41FE-9B6C-846D-35D9-A23B51F6D576}"/>
+                </a:ext>
+              </a:extLst>
+            </p:cNvPr>
+            <p:cNvGrpSpPr/>
+            <p:nvPr/>
+          </p:nvGrpSpPr>
+          <p:grpSpPr>
+            <a:xfrm>
+              <a:off x="9583681" y="5285874"/>
+              <a:ext cx="1969559" cy="304866"/>
+              <a:chOff x="9583681" y="5285874"/>
+              <a:chExt cx="1969559" cy="304866"/>
+            </a:xfrm>
+          </p:grpSpPr>
+          <p:sp>
+            <p:nvSpPr>
+              <p:cNvPr id="23" name="文本框 22">
+                <a:extLst>
+                  <a:ext uri="{FF2B5EF4-FFF2-40B4-BE49-F238E27FC236}">
+                    <a16:creationId xmlns:a16="http://schemas.microsoft.com/office/drawing/2014/main" id="{8965DAE6-6E4A-8BB9-7ED1-CDB91B470B9F}"/>
+                  </a:ext>
+                </a:extLst>
+              </p:cNvPr>
+              <p:cNvSpPr txBox="1"/>
+              <p:nvPr/>
+            </p:nvSpPr>
+            <p:spPr>
+              <a:xfrm>
+                <a:off x="9583681" y="5285874"/>
+                <a:ext cx="281521" cy="304866"/>
+              </a:xfrm>
+              <a:custGeom>
+                <a:avLst/>
+                <a:gdLst/>
+                <a:ahLst/>
+                <a:cxnLst/>
+                <a:rect l="l" t="t" r="r" b="b"/>
+                <a:pathLst>
+                  <a:path w="552569" h="444246">
+                    <a:moveTo>
+                      <a:pt x="0" y="0"/>
+                    </a:moveTo>
+                    <a:lnTo>
+                      <a:pt x="533876" y="0"/>
+                    </a:lnTo>
+                    <a:lnTo>
+                      <a:pt x="489871" y="70866"/>
+                    </a:lnTo>
+                    <a:lnTo>
+                      <a:pt x="165354" y="70866"/>
+                    </a:lnTo>
+                    <a:lnTo>
+                      <a:pt x="165354" y="373380"/>
+                    </a:lnTo>
+                    <a:lnTo>
+                      <a:pt x="552569" y="373380"/>
+                    </a:lnTo>
+                    <a:lnTo>
+                      <a:pt x="516458" y="444246"/>
+                    </a:lnTo>
+                    <a:lnTo>
+                      <a:pt x="0" y="444246"/>
+                    </a:lnTo>
+                    <a:lnTo>
+                      <a:pt x="0" y="0"/>
+                    </a:lnTo>
+                    <a:close/>
+                  </a:path>
+                </a:pathLst>
+              </a:custGeom>
+              <a:solidFill>
+                <a:schemeClr val="bg1"/>
+              </a:solidFill>
+              <a:ln>
+                <a:noFill/>
+              </a:ln>
+              <a:effectLst/>
+            </p:spPr>
+            <p:txBody>
+              <a:bodyPr rot="0" spcFirstLastPara="0" vertOverflow="overflow" horzOverflow="overflow" vert="horz" wrap="square" lIns="91440" tIns="45720" rIns="91440" bIns="45720" numCol="1" spcCol="0" rtlCol="0" fromWordArt="0" anchor="t" anchorCtr="0" forceAA="0" compatLnSpc="1">
+                <a:prstTxWarp prst="textNoShape">
+                  <a:avLst/>
+                </a:prstTxWarp>
+                <a:noAutofit/>
+              </a:bodyPr>
+              <a:lstStyle/>
+              <a:p>
+                <a:endParaRPr lang="zh-CN" altLang="en-US" sz="6000" b="1" dirty="0">
+                  <a:gradFill>
+                    <a:gsLst>
+                      <a:gs pos="0">
+                        <a:srgbClr val="7030A0"/>
+                      </a:gs>
+                      <a:gs pos="100000">
+                        <a:srgbClr val="1B1BF9"/>
+                      </a:gs>
+                    </a:gsLst>
+                    <a:lin ang="5400000" scaled="1"/>
+                  </a:gradFill>
+                  <a:latin typeface="站酷高端黑" panose="02010600030101010101" pitchFamily="2" charset="-122"/>
+                  <a:ea typeface="站酷高端黑" panose="02010600030101010101" pitchFamily="2" charset="-122"/>
+                </a:endParaRPr>
+              </a:p>
+            </p:txBody>
+          </p:sp>
+          <p:sp>
+            <p:nvSpPr>
+              <p:cNvPr id="24" name="文本框 23">
+                <a:extLst>
+                  <a:ext uri="{FF2B5EF4-FFF2-40B4-BE49-F238E27FC236}">
+                    <a16:creationId xmlns:a16="http://schemas.microsoft.com/office/drawing/2014/main" id="{776A3057-0BA7-2509-E92F-D66DC2723009}"/>
+                  </a:ext>
+                </a:extLst>
+              </p:cNvPr>
+              <p:cNvSpPr txBox="1"/>
+              <p:nvPr/>
+            </p:nvSpPr>
+            <p:spPr>
+              <a:xfrm>
+                <a:off x="9899110" y="5285874"/>
+                <a:ext cx="275248" cy="304866"/>
+              </a:xfrm>
+              <a:custGeom>
+                <a:avLst/>
+                <a:gdLst/>
+                <a:ahLst/>
+                <a:cxnLst/>
+                <a:rect l="l" t="t" r="r" b="b"/>
+                <a:pathLst>
+                  <a:path w="540258" h="444246">
+                    <a:moveTo>
+                      <a:pt x="0" y="0"/>
+                    </a:moveTo>
+                    <a:lnTo>
+                      <a:pt x="166878" y="0"/>
+                    </a:lnTo>
+                    <a:lnTo>
+                      <a:pt x="166878" y="182880"/>
+                    </a:lnTo>
+                    <a:lnTo>
+                      <a:pt x="376428" y="182880"/>
+                    </a:lnTo>
+                    <a:lnTo>
+                      <a:pt x="376428" y="0"/>
+                    </a:lnTo>
+                    <a:lnTo>
+                      <a:pt x="540258" y="0"/>
+                    </a:lnTo>
+                    <a:lnTo>
+                      <a:pt x="540258" y="444246"/>
+                    </a:lnTo>
+                    <a:lnTo>
+                      <a:pt x="376428" y="444246"/>
+                    </a:lnTo>
+                    <a:lnTo>
+                      <a:pt x="376428" y="204177"/>
+                    </a:lnTo>
+                    <a:lnTo>
+                      <a:pt x="340412" y="254508"/>
+                    </a:lnTo>
+                    <a:lnTo>
+                      <a:pt x="166878" y="254508"/>
+                    </a:lnTo>
+                    <a:lnTo>
+                      <a:pt x="166878" y="444246"/>
+                    </a:lnTo>
+                    <a:lnTo>
+                      <a:pt x="0" y="444246"/>
+                    </a:lnTo>
+                    <a:lnTo>
+                      <a:pt x="0" y="0"/>
+                    </a:lnTo>
+                    <a:close/>
+                  </a:path>
+                </a:pathLst>
+              </a:custGeom>
+              <a:solidFill>
+                <a:schemeClr val="bg1"/>
+              </a:solidFill>
+              <a:ln>
+                <a:noFill/>
+              </a:ln>
+              <a:effectLst/>
+            </p:spPr>
+            <p:txBody>
+              <a:bodyPr rot="0" spcFirstLastPara="0" vertOverflow="overflow" horzOverflow="overflow" vert="horz" wrap="square" lIns="91440" tIns="45720" rIns="91440" bIns="45720" numCol="1" spcCol="0" rtlCol="0" fromWordArt="0" anchor="t" anchorCtr="0" forceAA="0" compatLnSpc="1">
+                <a:prstTxWarp prst="textNoShape">
+                  <a:avLst/>
+                </a:prstTxWarp>
+                <a:noAutofit/>
+              </a:bodyPr>
+              <a:lstStyle/>
+              <a:p>
+                <a:endParaRPr lang="zh-CN" altLang="en-US" sz="6000" b="1" dirty="0">
+                  <a:gradFill>
+                    <a:gsLst>
+                      <a:gs pos="0">
+                        <a:srgbClr val="7030A0"/>
+                      </a:gs>
+                      <a:gs pos="100000">
+                        <a:srgbClr val="1B1BF9"/>
+                      </a:gs>
+                    </a:gsLst>
+                    <a:lin ang="5400000" scaled="1"/>
+                  </a:gradFill>
+                  <a:latin typeface="站酷高端黑" panose="02010600030101010101" pitchFamily="2" charset="-122"/>
+                  <a:ea typeface="站酷高端黑" panose="02010600030101010101" pitchFamily="2" charset="-122"/>
+                </a:endParaRPr>
+              </a:p>
+            </p:txBody>
+          </p:sp>
+          <p:sp>
+            <p:nvSpPr>
+              <p:cNvPr id="25" name="文本框 24">
+                <a:extLst>
+                  <a:ext uri="{FF2B5EF4-FFF2-40B4-BE49-F238E27FC236}">
+                    <a16:creationId xmlns:a16="http://schemas.microsoft.com/office/drawing/2014/main" id="{8E642384-4350-6B26-8150-C33058E39CC4}"/>
+                  </a:ext>
+                </a:extLst>
+              </p:cNvPr>
+              <p:cNvSpPr txBox="1"/>
+              <p:nvPr/>
+            </p:nvSpPr>
+            <p:spPr>
+              <a:xfrm>
+                <a:off x="10209687" y="5285874"/>
+                <a:ext cx="81915" cy="304866"/>
+              </a:xfrm>
+              <a:custGeom>
+                <a:avLst/>
+                <a:gdLst/>
+                <a:ahLst/>
+                <a:cxnLst/>
+                <a:rect l="l" t="t" r="r" b="b"/>
+                <a:pathLst>
+                  <a:path w="160782" h="444246">
+                    <a:moveTo>
+                      <a:pt x="0" y="0"/>
+                    </a:moveTo>
+                    <a:lnTo>
+                      <a:pt x="160782" y="0"/>
+                    </a:lnTo>
+                    <a:lnTo>
+                      <a:pt x="160782" y="444246"/>
+                    </a:lnTo>
+                    <a:lnTo>
+                      <a:pt x="0" y="444246"/>
+                    </a:lnTo>
+                    <a:lnTo>
+                      <a:pt x="0" y="0"/>
+                    </a:lnTo>
+                    <a:close/>
+                  </a:path>
+                </a:pathLst>
+              </a:custGeom>
+              <a:solidFill>
+                <a:schemeClr val="bg1"/>
+              </a:solidFill>
+              <a:ln>
+                <a:noFill/>
+              </a:ln>
+              <a:effectLst/>
+            </p:spPr>
+            <p:txBody>
+              <a:bodyPr rot="0" spcFirstLastPara="0" vertOverflow="overflow" horzOverflow="overflow" vert="horz" wrap="square" lIns="91440" tIns="45720" rIns="91440" bIns="45720" numCol="1" spcCol="0" rtlCol="0" fromWordArt="0" anchor="t" anchorCtr="0" forceAA="0" compatLnSpc="1">
+                <a:prstTxWarp prst="textNoShape">
+                  <a:avLst/>
+                </a:prstTxWarp>
+                <a:noAutofit/>
+              </a:bodyPr>
+              <a:lstStyle/>
+              <a:p>
+                <a:endParaRPr lang="zh-CN" altLang="en-US" sz="6000" b="1" dirty="0">
+                  <a:gradFill>
+                    <a:gsLst>
+                      <a:gs pos="0">
+                        <a:srgbClr val="7030A0"/>
+                      </a:gs>
+                      <a:gs pos="100000">
+                        <a:srgbClr val="1B1BF9"/>
+                      </a:gs>
+                    </a:gsLst>
+                    <a:lin ang="5400000" scaled="1"/>
+                  </a:gradFill>
+                  <a:latin typeface="站酷高端黑" panose="02010600030101010101" pitchFamily="2" charset="-122"/>
+                  <a:ea typeface="站酷高端黑" panose="02010600030101010101" pitchFamily="2" charset="-122"/>
+                </a:endParaRPr>
+              </a:p>
+            </p:txBody>
+          </p:sp>
+          <p:sp>
+            <p:nvSpPr>
+              <p:cNvPr id="26" name="文本框 25">
+                <a:extLst>
+                  <a:ext uri="{FF2B5EF4-FFF2-40B4-BE49-F238E27FC236}">
+                    <a16:creationId xmlns:a16="http://schemas.microsoft.com/office/drawing/2014/main" id="{99E5DBEE-D501-BA4E-238A-9E00E322B84F}"/>
+                  </a:ext>
+                </a:extLst>
+              </p:cNvPr>
+              <p:cNvSpPr txBox="1"/>
+              <p:nvPr/>
+            </p:nvSpPr>
+            <p:spPr>
+              <a:xfrm>
+                <a:off x="10316447" y="5285874"/>
+                <a:ext cx="275248" cy="304866"/>
+              </a:xfrm>
+              <a:custGeom>
+                <a:avLst/>
+                <a:gdLst/>
+                <a:ahLst/>
+                <a:cxnLst/>
+                <a:rect l="l" t="t" r="r" b="b"/>
+                <a:pathLst>
+                  <a:path w="540258" h="444246">
+                    <a:moveTo>
+                      <a:pt x="0" y="0"/>
+                    </a:moveTo>
+                    <a:lnTo>
+                      <a:pt x="180832" y="0"/>
+                    </a:lnTo>
+                    <a:lnTo>
+                      <a:pt x="375666" y="303443"/>
+                    </a:lnTo>
+                    <a:lnTo>
+                      <a:pt x="375666" y="0"/>
+                    </a:lnTo>
+                    <a:lnTo>
+                      <a:pt x="540258" y="0"/>
+                    </a:lnTo>
+                    <a:lnTo>
+                      <a:pt x="540258" y="444246"/>
+                    </a:lnTo>
+                    <a:lnTo>
+                      <a:pt x="361688" y="444246"/>
+                    </a:lnTo>
+                    <a:lnTo>
+                      <a:pt x="166116" y="145280"/>
+                    </a:lnTo>
+                    <a:lnTo>
+                      <a:pt x="166116" y="444246"/>
+                    </a:lnTo>
+                    <a:lnTo>
+                      <a:pt x="0" y="444246"/>
+                    </a:lnTo>
+                    <a:lnTo>
+                      <a:pt x="0" y="0"/>
+                    </a:lnTo>
+                    <a:close/>
+                  </a:path>
+                </a:pathLst>
+              </a:custGeom>
+              <a:solidFill>
+                <a:schemeClr val="bg1"/>
+              </a:solidFill>
+              <a:ln>
+                <a:noFill/>
+              </a:ln>
+              <a:effectLst/>
+            </p:spPr>
+            <p:txBody>
+              <a:bodyPr rot="0" spcFirstLastPara="0" vertOverflow="overflow" horzOverflow="overflow" vert="horz" wrap="square" lIns="91440" tIns="45720" rIns="91440" bIns="45720" numCol="1" spcCol="0" rtlCol="0" fromWordArt="0" anchor="t" anchorCtr="0" forceAA="0" compatLnSpc="1">
+                <a:prstTxWarp prst="textNoShape">
+                  <a:avLst/>
+                </a:prstTxWarp>
+                <a:noAutofit/>
+              </a:bodyPr>
+              <a:lstStyle/>
+              <a:p>
+                <a:endParaRPr lang="zh-CN" altLang="en-US" sz="6000" b="1" dirty="0">
+                  <a:gradFill>
+                    <a:gsLst>
+                      <a:gs pos="0">
+                        <a:srgbClr val="7030A0"/>
+                      </a:gs>
+                      <a:gs pos="100000">
+                        <a:srgbClr val="1B1BF9"/>
+                      </a:gs>
+                    </a:gsLst>
+                    <a:lin ang="5400000" scaled="1"/>
+                  </a:gradFill>
+                  <a:latin typeface="站酷高端黑" panose="02010600030101010101" pitchFamily="2" charset="-122"/>
+                  <a:ea typeface="站酷高端黑" panose="02010600030101010101" pitchFamily="2" charset="-122"/>
+                </a:endParaRPr>
+              </a:p>
+            </p:txBody>
+          </p:sp>
+          <p:sp>
+            <p:nvSpPr>
+              <p:cNvPr id="27" name="文本框 26">
+                <a:extLst>
+                  <a:ext uri="{FF2B5EF4-FFF2-40B4-BE49-F238E27FC236}">
+                    <a16:creationId xmlns:a16="http://schemas.microsoft.com/office/drawing/2014/main" id="{4E5385E0-4032-5723-6958-E3C34E45480F}"/>
+                  </a:ext>
+                </a:extLst>
+              </p:cNvPr>
+              <p:cNvSpPr txBox="1"/>
+              <p:nvPr/>
+            </p:nvSpPr>
+            <p:spPr>
+              <a:xfrm>
+                <a:off x="10622262" y="5285874"/>
+                <a:ext cx="325007" cy="304866"/>
+              </a:xfrm>
+              <a:custGeom>
+                <a:avLst/>
+                <a:gdLst/>
+                <a:ahLst/>
+                <a:cxnLst/>
+                <a:rect l="l" t="t" r="r" b="b"/>
+                <a:pathLst>
+                  <a:path w="637925" h="444246">
+                    <a:moveTo>
+                      <a:pt x="175677" y="0"/>
+                    </a:moveTo>
+                    <a:lnTo>
+                      <a:pt x="461426" y="0"/>
+                    </a:lnTo>
+                    <a:lnTo>
+                      <a:pt x="637925" y="444246"/>
+                    </a:lnTo>
+                    <a:lnTo>
+                      <a:pt x="466522" y="444246"/>
+                    </a:lnTo>
+                    <a:lnTo>
+                      <a:pt x="407279" y="286180"/>
+                    </a:lnTo>
+                    <a:lnTo>
+                      <a:pt x="371034" y="342138"/>
+                    </a:lnTo>
+                    <a:lnTo>
+                      <a:pt x="212395" y="342138"/>
+                    </a:lnTo>
+                    <a:lnTo>
+                      <a:pt x="172771" y="444246"/>
+                    </a:lnTo>
+                    <a:lnTo>
+                      <a:pt x="0" y="444246"/>
+                    </a:lnTo>
+                    <a:lnTo>
+                      <a:pt x="175677" y="0"/>
+                    </a:lnTo>
+                    <a:close/>
+                    <a:moveTo>
+                      <a:pt x="312003" y="71902"/>
+                    </a:moveTo>
+                    <a:lnTo>
+                      <a:pt x="239506" y="268224"/>
+                    </a:lnTo>
+                    <a:lnTo>
+                      <a:pt x="400470" y="268224"/>
+                    </a:lnTo>
+                    <a:lnTo>
+                      <a:pt x="325279" y="71902"/>
+                    </a:lnTo>
+                    <a:lnTo>
+                      <a:pt x="312003" y="71902"/>
+                    </a:lnTo>
+                    <a:close/>
+                  </a:path>
+                </a:pathLst>
+              </a:custGeom>
+              <a:solidFill>
+                <a:schemeClr val="bg1"/>
+              </a:solidFill>
+              <a:ln>
+                <a:noFill/>
+              </a:ln>
+              <a:effectLst/>
+            </p:spPr>
+            <p:txBody>
+              <a:bodyPr rot="0" spcFirstLastPara="0" vertOverflow="overflow" horzOverflow="overflow" vert="horz" wrap="square" lIns="91440" tIns="45720" rIns="91440" bIns="45720" numCol="1" spcCol="0" rtlCol="0" fromWordArt="0" anchor="t" anchorCtr="0" forceAA="0" compatLnSpc="1">
+                <a:prstTxWarp prst="textNoShape">
+                  <a:avLst/>
+                </a:prstTxWarp>
+                <a:noAutofit/>
+              </a:bodyPr>
+              <a:lstStyle/>
+              <a:p>
+                <a:endParaRPr lang="zh-CN" altLang="en-US" sz="6000" b="1" dirty="0">
+                  <a:gradFill>
+                    <a:gsLst>
+                      <a:gs pos="0">
+                        <a:srgbClr val="7030A0"/>
+                      </a:gs>
+                      <a:gs pos="100000">
+                        <a:srgbClr val="1B1BF9"/>
+                      </a:gs>
+                    </a:gsLst>
+                    <a:lin ang="5400000" scaled="1"/>
+                  </a:gradFill>
+                  <a:latin typeface="站酷高端黑" panose="02010600030101010101" pitchFamily="2" charset="-122"/>
+                  <a:ea typeface="站酷高端黑" panose="02010600030101010101" pitchFamily="2" charset="-122"/>
+                </a:endParaRPr>
+              </a:p>
+            </p:txBody>
+          </p:sp>
+          <p:sp>
+            <p:nvSpPr>
+              <p:cNvPr id="28" name="文本框 27">
+                <a:extLst>
+                  <a:ext uri="{FF2B5EF4-FFF2-40B4-BE49-F238E27FC236}">
+                    <a16:creationId xmlns:a16="http://schemas.microsoft.com/office/drawing/2014/main" id="{11AE51DF-C6D7-1CA6-0492-7839F58ED88F}"/>
+                  </a:ext>
+                </a:extLst>
+              </p:cNvPr>
+              <p:cNvSpPr txBox="1"/>
+              <p:nvPr/>
+            </p:nvSpPr>
+            <p:spPr>
+              <a:xfrm>
+                <a:off x="11155975" y="5285874"/>
+                <a:ext cx="81915" cy="304866"/>
+              </a:xfrm>
+              <a:custGeom>
+                <a:avLst/>
+                <a:gdLst/>
+                <a:ahLst/>
+                <a:cxnLst/>
+                <a:rect l="l" t="t" r="r" b="b"/>
+                <a:pathLst>
+                  <a:path w="160782" h="444246">
+                    <a:moveTo>
+                      <a:pt x="0" y="0"/>
+                    </a:moveTo>
+                    <a:lnTo>
+                      <a:pt x="160782" y="0"/>
+                    </a:lnTo>
+                    <a:lnTo>
+                      <a:pt x="160782" y="444246"/>
+                    </a:lnTo>
+                    <a:lnTo>
+                      <a:pt x="0" y="444246"/>
+                    </a:lnTo>
+                    <a:lnTo>
+                      <a:pt x="0" y="0"/>
+                    </a:lnTo>
+                    <a:close/>
+                  </a:path>
+                </a:pathLst>
+              </a:custGeom>
+              <a:solidFill>
+                <a:schemeClr val="bg1"/>
+              </a:solidFill>
+              <a:ln>
+                <a:noFill/>
+              </a:ln>
+              <a:effectLst/>
+            </p:spPr>
+            <p:txBody>
+              <a:bodyPr rot="0" spcFirstLastPara="0" vertOverflow="overflow" horzOverflow="overflow" vert="horz" wrap="square" lIns="91440" tIns="45720" rIns="91440" bIns="45720" numCol="1" spcCol="0" rtlCol="0" fromWordArt="0" anchor="t" anchorCtr="0" forceAA="0" compatLnSpc="1">
+                <a:prstTxWarp prst="textNoShape">
+                  <a:avLst/>
+                </a:prstTxWarp>
+                <a:noAutofit/>
+              </a:bodyPr>
+              <a:lstStyle/>
+              <a:p>
+                <a:endParaRPr lang="zh-CN" altLang="en-US" sz="6000" b="1" dirty="0">
+                  <a:gradFill>
+                    <a:gsLst>
+                      <a:gs pos="0">
+                        <a:srgbClr val="7030A0"/>
+                      </a:gs>
+                      <a:gs pos="100000">
+                        <a:srgbClr val="1B1BF9"/>
+                      </a:gs>
+                    </a:gsLst>
+                    <a:lin ang="5400000" scaled="1"/>
+                  </a:gradFill>
+                  <a:latin typeface="站酷高端黑" panose="02010600030101010101" pitchFamily="2" charset="-122"/>
+                  <a:ea typeface="站酷高端黑" panose="02010600030101010101" pitchFamily="2" charset="-122"/>
+                </a:endParaRPr>
+              </a:p>
+            </p:txBody>
+          </p:sp>
+          <p:sp>
+            <p:nvSpPr>
+              <p:cNvPr id="29" name="文本框 28">
+                <a:extLst>
+                  <a:ext uri="{FF2B5EF4-FFF2-40B4-BE49-F238E27FC236}">
+                    <a16:creationId xmlns:a16="http://schemas.microsoft.com/office/drawing/2014/main" id="{CB2C3871-C93E-43C6-45EA-03B368C550B4}"/>
+                  </a:ext>
+                </a:extLst>
+              </p:cNvPr>
+              <p:cNvSpPr txBox="1"/>
+              <p:nvPr/>
+            </p:nvSpPr>
+            <p:spPr>
+              <a:xfrm>
+                <a:off x="11267534" y="5285874"/>
+                <a:ext cx="285706" cy="304866"/>
+              </a:xfrm>
+              <a:custGeom>
+                <a:avLst/>
+                <a:gdLst/>
+                <a:ahLst/>
+                <a:cxnLst/>
+                <a:rect l="l" t="t" r="r" b="b"/>
+                <a:pathLst>
+                  <a:path w="560785" h="444246">
+                    <a:moveTo>
+                      <a:pt x="0" y="0"/>
+                    </a:moveTo>
+                    <a:lnTo>
+                      <a:pt x="560785" y="0"/>
+                    </a:lnTo>
+                    <a:lnTo>
+                      <a:pt x="524649" y="72390"/>
+                    </a:lnTo>
+                    <a:lnTo>
+                      <a:pt x="355961" y="72390"/>
+                    </a:lnTo>
+                    <a:lnTo>
+                      <a:pt x="355961" y="444246"/>
+                    </a:lnTo>
+                    <a:lnTo>
+                      <a:pt x="191369" y="444246"/>
+                    </a:lnTo>
+                    <a:lnTo>
+                      <a:pt x="191369" y="72390"/>
+                    </a:lnTo>
+                    <a:lnTo>
+                      <a:pt x="0" y="72390"/>
+                    </a:lnTo>
+                    <a:lnTo>
+                      <a:pt x="0" y="0"/>
+                    </a:lnTo>
+                    <a:close/>
+                  </a:path>
+                </a:pathLst>
+              </a:custGeom>
+              <a:solidFill>
+                <a:schemeClr val="bg1"/>
+              </a:solidFill>
               <a:ln>
                 <a:noFill/>
               </a:ln>
